--- a/mylearnings/mylecturenotes/FinGPT.pptx
+++ b/mylearnings/mylecturenotes/FinGPT.pptx
@@ -4499,9 +4499,16 @@
             <p:ph type="title"/>
           </p:nvPr>
         </p:nvSpPr>
-        <p:spPr/>
-        <p:txBody>
-          <a:bodyPr/>
+        <p:spPr>
+          <a:xfrm>
+            <a:off x="359641" y="196561"/>
+            <a:ext cx="10515600" cy="533689"/>
+          </a:xfrm>
+        </p:spPr>
+        <p:txBody>
+          <a:bodyPr>
+            <a:normAutofit fontScale="90000"/>
+          </a:bodyPr>
           <a:lstStyle/>
           <a:p>
             <a:r>
@@ -4533,7 +4540,7 @@
         </p:blipFill>
         <p:spPr>
           <a:xfrm>
-            <a:off x="8576541" y="2082800"/>
+            <a:off x="8403821" y="529482"/>
             <a:ext cx="2298700" cy="2692400"/>
           </a:xfrm>
           <a:prstGeom prst="rect">
@@ -4563,7 +4570,7 @@
         </p:blipFill>
         <p:spPr>
           <a:xfrm>
-            <a:off x="487218" y="2597150"/>
+            <a:off x="233218" y="1043832"/>
             <a:ext cx="7061200" cy="1663700"/>
           </a:xfrm>
           <a:prstGeom prst="rect">
@@ -4585,7 +4592,7 @@
         </p:nvSpPr>
         <p:spPr>
           <a:xfrm>
-            <a:off x="4017818" y="5444836"/>
+            <a:off x="5988858" y="2965796"/>
             <a:ext cx="808042" cy="369332"/>
           </a:xfrm>
           <a:prstGeom prst="rect">
@@ -4634,7 +4641,105 @@
               <a:rPr lang="en-US" smtClean="0"/>
               <a:t>6</a:t>
             </a:fld>
-            <a:endParaRPr lang="en-US"/>
+            <a:endParaRPr lang="en-US" dirty="0"/>
+          </a:p>
+        </p:txBody>
+      </p:sp>
+      <p:pic>
+        <p:nvPicPr>
+          <p:cNvPr id="8" name="Picture 7">
+            <a:extLst>
+              <a:ext uri="{FF2B5EF4-FFF2-40B4-BE49-F238E27FC236}">
+                <a16:creationId xmlns:a16="http://schemas.microsoft.com/office/drawing/2014/main" id="{4CD3CC69-8BD7-9DFA-4687-8A3DC534AC54}"/>
+              </a:ext>
+            </a:extLst>
+          </p:cNvPr>
+          <p:cNvPicPr>
+            <a:picLocks noChangeAspect="1"/>
+          </p:cNvPicPr>
+          <p:nvPr/>
+        </p:nvPicPr>
+        <p:blipFill>
+          <a:blip r:embed="rId5"/>
+          <a:stretch>
+            <a:fillRect/>
+          </a:stretch>
+        </p:blipFill>
+        <p:spPr>
+          <a:xfrm>
+            <a:off x="0" y="4291895"/>
+            <a:ext cx="5310586" cy="2064455"/>
+          </a:xfrm>
+          <a:prstGeom prst="rect">
+            <a:avLst/>
+          </a:prstGeom>
+        </p:spPr>
+      </p:pic>
+      <p:pic>
+        <p:nvPicPr>
+          <p:cNvPr id="9" name="Picture 8">
+            <a:extLst>
+              <a:ext uri="{FF2B5EF4-FFF2-40B4-BE49-F238E27FC236}">
+                <a16:creationId xmlns:a16="http://schemas.microsoft.com/office/drawing/2014/main" id="{D833B061-F736-84CE-BFB9-F0D3510F8E45}"/>
+              </a:ext>
+            </a:extLst>
+          </p:cNvPr>
+          <p:cNvPicPr>
+            <a:picLocks noChangeAspect="1"/>
+          </p:cNvPicPr>
+          <p:nvPr/>
+        </p:nvPicPr>
+        <p:blipFill>
+          <a:blip r:embed="rId6"/>
+          <a:stretch>
+            <a:fillRect/>
+          </a:stretch>
+        </p:blipFill>
+        <p:spPr>
+          <a:xfrm>
+            <a:off x="5024120" y="3561751"/>
+            <a:ext cx="6985000" cy="1586593"/>
+          </a:xfrm>
+          <a:prstGeom prst="rect">
+            <a:avLst/>
+          </a:prstGeom>
+        </p:spPr>
+      </p:pic>
+      <p:sp>
+        <p:nvSpPr>
+          <p:cNvPr id="10" name="TextBox 9">
+            <a:extLst>
+              <a:ext uri="{FF2B5EF4-FFF2-40B4-BE49-F238E27FC236}">
+                <a16:creationId xmlns:a16="http://schemas.microsoft.com/office/drawing/2014/main" id="{F485DFD1-F7AA-F25A-CB76-01D8CE01B2FA}"/>
+              </a:ext>
+            </a:extLst>
+          </p:cNvPr>
+          <p:cNvSpPr txBox="1"/>
+          <p:nvPr/>
+        </p:nvSpPr>
+        <p:spPr>
+          <a:xfrm>
+            <a:off x="6232698" y="5413757"/>
+            <a:ext cx="808042" cy="369332"/>
+          </a:xfrm>
+          <a:prstGeom prst="rect">
+            <a:avLst/>
+          </a:prstGeom>
+          <a:noFill/>
+        </p:spPr>
+        <p:txBody>
+          <a:bodyPr wrap="none" rtlCol="0">
+            <a:spAutoFit/>
+          </a:bodyPr>
+          <a:lstStyle/>
+          <a:p>
+            <a:r>
+              <a:rPr lang="en-US" dirty="0">
+                <a:hlinkClick r:id="rId7"/>
+              </a:rPr>
+              <a:t>source</a:t>
+            </a:r>
+            <a:endParaRPr lang="en-US" dirty="0"/>
           </a:p>
         </p:txBody>
       </p:sp>
